--- a/LabBook_010.pptx
+++ b/LabBook_010.pptx
@@ -274,7 +274,7 @@
           <a:p>
             <a:fld id="{8438F8DC-35B0-48E6-A86E-42F1F08DD00F}" type="datetimeFigureOut">
               <a:rPr lang="es-ES" smtClean="0"/>
-              <a:t>03/02/2026</a:t>
+              <a:t>09/02/2026</a:t>
             </a:fld>
             <a:endParaRPr lang="es-ES"/>
           </a:p>
@@ -451,7 +451,7 @@
           <a:p>
             <a:fld id="{FACBDC12-F39B-4B97-8F4D-6734F9D366FF}" type="datetimeFigureOut">
               <a:rPr lang="es-ES" smtClean="0"/>
-              <a:t>03/02/2026</a:t>
+              <a:t>09/02/2026</a:t>
             </a:fld>
             <a:endParaRPr lang="es-ES"/>
           </a:p>
@@ -5271,8 +5271,8 @@
         </p:nvSpPr>
         <p:spPr>
           <a:xfrm>
-            <a:off x="9664364" y="5549983"/>
-            <a:ext cx="1980542" cy="369332"/>
+            <a:off x="9567382" y="5549983"/>
+            <a:ext cx="2174506" cy="369332"/>
           </a:xfrm>
           <a:prstGeom prst="rect">
             <a:avLst/>
@@ -5292,7 +5292,7 @@
             </a:r>
             <a:r>
               <a:rPr lang="en-US" dirty="0"/>
-              <a:t> waveguide</a:t>
+              <a:t> () waveguide</a:t>
             </a:r>
           </a:p>
         </p:txBody>
@@ -5311,8 +5311,8 @@
         </p:nvSpPr>
         <p:spPr>
           <a:xfrm>
-            <a:off x="5280887" y="5549983"/>
-            <a:ext cx="2157554" cy="369332"/>
+            <a:off x="5280886" y="5549983"/>
+            <a:ext cx="2404607" cy="369332"/>
           </a:xfrm>
           <a:prstGeom prst="rect">
             <a:avLst/>
@@ -5328,7 +5328,7 @@
             <a:pPr algn="ctr"/>
             <a:r>
               <a:rPr lang="en-US" b="1" dirty="0"/>
-              <a:t>deep</a:t>
+              <a:t>deep (strip)</a:t>
             </a:r>
             <a:r>
               <a:rPr lang="en-US" dirty="0"/>
@@ -6066,7 +6066,7 @@
         <p:spPr>
           <a:xfrm>
             <a:off x="609441" y="4860334"/>
-            <a:ext cx="11199971" cy="1200329"/>
+            <a:ext cx="11199971" cy="1754326"/>
           </a:xfrm>
           <a:prstGeom prst="rect">
             <a:avLst/>
@@ -6106,10 +6106,293 @@
           </a:p>
           <a:p>
             <a:pPr algn="just"/>
-            <a:endParaRPr lang="en-US" sz="1200" dirty="0">
-              <a:latin typeface="Arial" panose="020B0604020202020204" pitchFamily="34" charset="0"/>
-              <a:cs typeface="Arial" panose="020B0604020202020204" pitchFamily="34" charset="0"/>
-            </a:endParaRPr>
+            <a:r>
+              <a:rPr lang="en-US" sz="1200" dirty="0">
+                <a:latin typeface="Arial" panose="020B0604020202020204" pitchFamily="34" charset="0"/>
+                <a:cs typeface="Arial" panose="020B0604020202020204" pitchFamily="34" charset="0"/>
+              </a:rPr>
+              <a:t>Podemos </a:t>
+            </a:r>
+            <a:r>
+              <a:rPr lang="en-US" sz="1200" dirty="0" err="1">
+                <a:latin typeface="Arial" panose="020B0604020202020204" pitchFamily="34" charset="0"/>
+                <a:cs typeface="Arial" panose="020B0604020202020204" pitchFamily="34" charset="0"/>
+              </a:rPr>
+              <a:t>observar</a:t>
+            </a:r>
+            <a:r>
+              <a:rPr lang="en-US" sz="1200" dirty="0">
+                <a:latin typeface="Arial" panose="020B0604020202020204" pitchFamily="34" charset="0"/>
+                <a:cs typeface="Arial" panose="020B0604020202020204" pitchFamily="34" charset="0"/>
+              </a:rPr>
+              <a:t> que para </a:t>
+            </a:r>
+            <a:r>
+              <a:rPr lang="en-US" sz="1200" dirty="0" err="1">
+                <a:latin typeface="Arial" panose="020B0604020202020204" pitchFamily="34" charset="0"/>
+                <a:cs typeface="Arial" panose="020B0604020202020204" pitchFamily="34" charset="0"/>
+              </a:rPr>
+              <a:t>el</a:t>
+            </a:r>
+            <a:r>
+              <a:rPr lang="en-US" sz="1200" dirty="0">
+                <a:latin typeface="Arial" panose="020B0604020202020204" pitchFamily="34" charset="0"/>
+                <a:cs typeface="Arial" panose="020B0604020202020204" pitchFamily="34" charset="0"/>
+              </a:rPr>
+              <a:t> </a:t>
+            </a:r>
+            <a:r>
+              <a:rPr lang="en-US" sz="1200" dirty="0" err="1">
+                <a:latin typeface="Arial" panose="020B0604020202020204" pitchFamily="34" charset="0"/>
+                <a:cs typeface="Arial" panose="020B0604020202020204" pitchFamily="34" charset="0"/>
+              </a:rPr>
+              <a:t>caso</a:t>
+            </a:r>
+            <a:r>
+              <a:rPr lang="en-US" sz="1200" dirty="0">
+                <a:latin typeface="Arial" panose="020B0604020202020204" pitchFamily="34" charset="0"/>
+                <a:cs typeface="Arial" panose="020B0604020202020204" pitchFamily="34" charset="0"/>
+              </a:rPr>
+              <a:t> de la shallow waveguide hay una </a:t>
+            </a:r>
+            <a:r>
+              <a:rPr lang="en-US" sz="1200" dirty="0" err="1">
+                <a:latin typeface="Arial" panose="020B0604020202020204" pitchFamily="34" charset="0"/>
+                <a:cs typeface="Arial" panose="020B0604020202020204" pitchFamily="34" charset="0"/>
+              </a:rPr>
+              <a:t>propagación</a:t>
+            </a:r>
+            <a:r>
+              <a:rPr lang="en-US" sz="1200" dirty="0">
+                <a:latin typeface="Arial" panose="020B0604020202020204" pitchFamily="34" charset="0"/>
+                <a:cs typeface="Arial" panose="020B0604020202020204" pitchFamily="34" charset="0"/>
+              </a:rPr>
+              <a:t> de los 4 </a:t>
+            </a:r>
+            <a:r>
+              <a:rPr lang="en-US" sz="1200" dirty="0" err="1">
+                <a:latin typeface="Arial" panose="020B0604020202020204" pitchFamily="34" charset="0"/>
+                <a:cs typeface="Arial" panose="020B0604020202020204" pitchFamily="34" charset="0"/>
+              </a:rPr>
+              <a:t>modos</a:t>
+            </a:r>
+            <a:r>
+              <a:rPr lang="en-US" sz="1200" dirty="0">
+                <a:latin typeface="Arial" panose="020B0604020202020204" pitchFamily="34" charset="0"/>
+                <a:cs typeface="Arial" panose="020B0604020202020204" pitchFamily="34" charset="0"/>
+              </a:rPr>
+              <a:t> </a:t>
+            </a:r>
+            <a:r>
+              <a:rPr lang="en-US" sz="1200" dirty="0" err="1">
+                <a:latin typeface="Arial" panose="020B0604020202020204" pitchFamily="34" charset="0"/>
+                <a:cs typeface="Arial" panose="020B0604020202020204" pitchFamily="34" charset="0"/>
+              </a:rPr>
+              <a:t>analizados</a:t>
+            </a:r>
+            <a:r>
+              <a:rPr lang="en-US" sz="1200" dirty="0">
+                <a:latin typeface="Arial" panose="020B0604020202020204" pitchFamily="34" charset="0"/>
+                <a:cs typeface="Arial" panose="020B0604020202020204" pitchFamily="34" charset="0"/>
+              </a:rPr>
+              <a:t>, </a:t>
+            </a:r>
+            <a:r>
+              <a:rPr lang="en-US" sz="1200" dirty="0" err="1">
+                <a:latin typeface="Arial" panose="020B0604020202020204" pitchFamily="34" charset="0"/>
+                <a:cs typeface="Arial" panose="020B0604020202020204" pitchFamily="34" charset="0"/>
+              </a:rPr>
+              <a:t>ya</a:t>
+            </a:r>
+            <a:r>
+              <a:rPr lang="en-US" sz="1200" dirty="0">
+                <a:latin typeface="Arial" panose="020B0604020202020204" pitchFamily="34" charset="0"/>
+                <a:cs typeface="Arial" panose="020B0604020202020204" pitchFamily="34" charset="0"/>
+              </a:rPr>
+              <a:t> que </a:t>
+            </a:r>
+            <a:r>
+              <a:rPr lang="en-US" sz="1200" dirty="0" err="1">
+                <a:latin typeface="Arial" panose="020B0604020202020204" pitchFamily="34" charset="0"/>
+                <a:cs typeface="Arial" panose="020B0604020202020204" pitchFamily="34" charset="0"/>
+              </a:rPr>
+              <a:t>tienen</a:t>
+            </a:r>
+            <a:r>
+              <a:rPr lang="en-US" sz="1200" dirty="0">
+                <a:latin typeface="Arial" panose="020B0604020202020204" pitchFamily="34" charset="0"/>
+                <a:cs typeface="Arial" panose="020B0604020202020204" pitchFamily="34" charset="0"/>
+              </a:rPr>
+              <a:t> un </a:t>
+            </a:r>
+            <a:r>
+              <a:rPr lang="en-US" sz="1200" dirty="0" err="1">
+                <a:latin typeface="Arial" panose="020B0604020202020204" pitchFamily="34" charset="0"/>
+                <a:cs typeface="Arial" panose="020B0604020202020204" pitchFamily="34" charset="0"/>
+              </a:rPr>
+              <a:t>índice</a:t>
+            </a:r>
+            <a:r>
+              <a:rPr lang="en-US" sz="1200" dirty="0">
+                <a:latin typeface="Arial" panose="020B0604020202020204" pitchFamily="34" charset="0"/>
+                <a:cs typeface="Arial" panose="020B0604020202020204" pitchFamily="34" charset="0"/>
+              </a:rPr>
+              <a:t> </a:t>
+            </a:r>
+            <a:r>
+              <a:rPr lang="en-US" sz="1200" dirty="0" err="1">
+                <a:latin typeface="Arial" panose="020B0604020202020204" pitchFamily="34" charset="0"/>
+                <a:cs typeface="Arial" panose="020B0604020202020204" pitchFamily="34" charset="0"/>
+              </a:rPr>
+              <a:t>efectivo</a:t>
+            </a:r>
+            <a:r>
+              <a:rPr lang="en-US" sz="1200" dirty="0">
+                <a:latin typeface="Arial" panose="020B0604020202020204" pitchFamily="34" charset="0"/>
+                <a:cs typeface="Arial" panose="020B0604020202020204" pitchFamily="34" charset="0"/>
+              </a:rPr>
+              <a:t> mayor al </a:t>
+            </a:r>
+            <a:r>
+              <a:rPr lang="en-US" sz="1200" dirty="0" err="1">
+                <a:latin typeface="Arial" panose="020B0604020202020204" pitchFamily="34" charset="0"/>
+                <a:cs typeface="Arial" panose="020B0604020202020204" pitchFamily="34" charset="0"/>
+              </a:rPr>
+              <a:t>índice</a:t>
+            </a:r>
+            <a:r>
+              <a:rPr lang="en-US" sz="1200" dirty="0">
+                <a:latin typeface="Arial" panose="020B0604020202020204" pitchFamily="34" charset="0"/>
+                <a:cs typeface="Arial" panose="020B0604020202020204" pitchFamily="34" charset="0"/>
+              </a:rPr>
+              <a:t> </a:t>
+            </a:r>
+            <a:r>
+              <a:rPr lang="en-US" sz="1200" dirty="0" err="1">
+                <a:latin typeface="Arial" panose="020B0604020202020204" pitchFamily="34" charset="0"/>
+                <a:cs typeface="Arial" panose="020B0604020202020204" pitchFamily="34" charset="0"/>
+              </a:rPr>
+              <a:t>efectivo</a:t>
+            </a:r>
+            <a:r>
+              <a:rPr lang="en-US" sz="1200" dirty="0">
+                <a:latin typeface="Arial" panose="020B0604020202020204" pitchFamily="34" charset="0"/>
+                <a:cs typeface="Arial" panose="020B0604020202020204" pitchFamily="34" charset="0"/>
+              </a:rPr>
+              <a:t> del cladding (SiO2). </a:t>
+            </a:r>
+            <a:r>
+              <a:rPr lang="en-US" sz="1200" dirty="0" err="1">
+                <a:latin typeface="Arial" panose="020B0604020202020204" pitchFamily="34" charset="0"/>
+                <a:cs typeface="Arial" panose="020B0604020202020204" pitchFamily="34" charset="0"/>
+              </a:rPr>
+              <a:t>Esto</a:t>
+            </a:r>
+            <a:r>
+              <a:rPr lang="en-US" sz="1200" dirty="0">
+                <a:latin typeface="Arial" panose="020B0604020202020204" pitchFamily="34" charset="0"/>
+                <a:cs typeface="Arial" panose="020B0604020202020204" pitchFamily="34" charset="0"/>
+              </a:rPr>
+              <a:t> se debe a que </a:t>
+            </a:r>
+            <a:r>
+              <a:rPr lang="en-US" sz="1200" dirty="0" err="1">
+                <a:latin typeface="Arial" panose="020B0604020202020204" pitchFamily="34" charset="0"/>
+                <a:cs typeface="Arial" panose="020B0604020202020204" pitchFamily="34" charset="0"/>
+              </a:rPr>
+              <a:t>tiene</a:t>
+            </a:r>
+            <a:r>
+              <a:rPr lang="en-US" sz="1200" dirty="0">
+                <a:latin typeface="Arial" panose="020B0604020202020204" pitchFamily="34" charset="0"/>
+                <a:cs typeface="Arial" panose="020B0604020202020204" pitchFamily="34" charset="0"/>
+              </a:rPr>
+              <a:t> un mayor </a:t>
+            </a:r>
+            <a:r>
+              <a:rPr lang="en-US" sz="1200" dirty="0" err="1">
+                <a:latin typeface="Arial" panose="020B0604020202020204" pitchFamily="34" charset="0"/>
+                <a:cs typeface="Arial" panose="020B0604020202020204" pitchFamily="34" charset="0"/>
+              </a:rPr>
+              <a:t>espacio</a:t>
+            </a:r>
+            <a:r>
+              <a:rPr lang="en-US" sz="1200" dirty="0">
+                <a:latin typeface="Arial" panose="020B0604020202020204" pitchFamily="34" charset="0"/>
+                <a:cs typeface="Arial" panose="020B0604020202020204" pitchFamily="34" charset="0"/>
+              </a:rPr>
+              <a:t> la </a:t>
+            </a:r>
+            <a:r>
+              <a:rPr lang="en-US" sz="1200" dirty="0" err="1">
+                <a:latin typeface="Arial" panose="020B0604020202020204" pitchFamily="34" charset="0"/>
+                <a:cs typeface="Arial" panose="020B0604020202020204" pitchFamily="34" charset="0"/>
+              </a:rPr>
+              <a:t>guía</a:t>
+            </a:r>
+            <a:r>
+              <a:rPr lang="en-US" sz="1200" dirty="0">
+                <a:latin typeface="Arial" panose="020B0604020202020204" pitchFamily="34" charset="0"/>
+                <a:cs typeface="Arial" panose="020B0604020202020204" pitchFamily="34" charset="0"/>
+              </a:rPr>
+              <a:t> y se </a:t>
+            </a:r>
+            <a:r>
+              <a:rPr lang="en-US" sz="1200" dirty="0" err="1">
+                <a:latin typeface="Arial" panose="020B0604020202020204" pitchFamily="34" charset="0"/>
+                <a:cs typeface="Arial" panose="020B0604020202020204" pitchFamily="34" charset="0"/>
+              </a:rPr>
+              <a:t>pueden</a:t>
+            </a:r>
+            <a:r>
+              <a:rPr lang="en-US" sz="1200" dirty="0">
+                <a:latin typeface="Arial" panose="020B0604020202020204" pitchFamily="34" charset="0"/>
+                <a:cs typeface="Arial" panose="020B0604020202020204" pitchFamily="34" charset="0"/>
+              </a:rPr>
+              <a:t> </a:t>
+            </a:r>
+            <a:r>
+              <a:rPr lang="en-US" sz="1200" dirty="0" err="1">
+                <a:latin typeface="Arial" panose="020B0604020202020204" pitchFamily="34" charset="0"/>
+                <a:cs typeface="Arial" panose="020B0604020202020204" pitchFamily="34" charset="0"/>
+              </a:rPr>
+              <a:t>propagar</a:t>
+            </a:r>
+            <a:r>
+              <a:rPr lang="en-US" sz="1200" dirty="0">
+                <a:latin typeface="Arial" panose="020B0604020202020204" pitchFamily="34" charset="0"/>
+                <a:cs typeface="Arial" panose="020B0604020202020204" pitchFamily="34" charset="0"/>
+              </a:rPr>
+              <a:t> </a:t>
+            </a:r>
+            <a:r>
+              <a:rPr lang="en-US" sz="1200" dirty="0" err="1">
+                <a:latin typeface="Arial" panose="020B0604020202020204" pitchFamily="34" charset="0"/>
+                <a:cs typeface="Arial" panose="020B0604020202020204" pitchFamily="34" charset="0"/>
+              </a:rPr>
+              <a:t>modos</a:t>
+            </a:r>
+            <a:r>
+              <a:rPr lang="en-US" sz="1200" dirty="0">
+                <a:latin typeface="Arial" panose="020B0604020202020204" pitchFamily="34" charset="0"/>
+                <a:cs typeface="Arial" panose="020B0604020202020204" pitchFamily="34" charset="0"/>
+              </a:rPr>
+              <a:t> de </a:t>
+            </a:r>
+            <a:r>
+              <a:rPr lang="en-US" sz="1200" dirty="0" err="1">
+                <a:latin typeface="Arial" panose="020B0604020202020204" pitchFamily="34" charset="0"/>
+                <a:cs typeface="Arial" panose="020B0604020202020204" pitchFamily="34" charset="0"/>
+              </a:rPr>
+              <a:t>orden</a:t>
+            </a:r>
+            <a:r>
+              <a:rPr lang="en-US" sz="1200" dirty="0">
+                <a:latin typeface="Arial" panose="020B0604020202020204" pitchFamily="34" charset="0"/>
+                <a:cs typeface="Arial" panose="020B0604020202020204" pitchFamily="34" charset="0"/>
+              </a:rPr>
+              <a:t> mayor.</a:t>
+            </a:r>
           </a:p>
           <a:p>
             <a:pPr algn="just"/>
@@ -6120,10 +6403,345 @@
           </a:p>
           <a:p>
             <a:pPr algn="just"/>
-            <a:endParaRPr lang="en-US" sz="1200" dirty="0">
-              <a:latin typeface="Arial" panose="020B0604020202020204" pitchFamily="34" charset="0"/>
-              <a:cs typeface="Arial" panose="020B0604020202020204" pitchFamily="34" charset="0"/>
-            </a:endParaRPr>
+            <a:r>
+              <a:rPr lang="en-US" sz="1200" dirty="0">
+                <a:latin typeface="Arial" panose="020B0604020202020204" pitchFamily="34" charset="0"/>
+                <a:cs typeface="Arial" panose="020B0604020202020204" pitchFamily="34" charset="0"/>
+              </a:rPr>
+              <a:t>Por </a:t>
+            </a:r>
+            <a:r>
+              <a:rPr lang="en-US" sz="1200" dirty="0" err="1">
+                <a:latin typeface="Arial" panose="020B0604020202020204" pitchFamily="34" charset="0"/>
+                <a:cs typeface="Arial" panose="020B0604020202020204" pitchFamily="34" charset="0"/>
+              </a:rPr>
+              <a:t>otra</a:t>
+            </a:r>
+            <a:r>
+              <a:rPr lang="en-US" sz="1200" dirty="0">
+                <a:latin typeface="Arial" panose="020B0604020202020204" pitchFamily="34" charset="0"/>
+                <a:cs typeface="Arial" panose="020B0604020202020204" pitchFamily="34" charset="0"/>
+              </a:rPr>
+              <a:t> </a:t>
+            </a:r>
+            <a:r>
+              <a:rPr lang="en-US" sz="1200" dirty="0" err="1">
+                <a:latin typeface="Arial" panose="020B0604020202020204" pitchFamily="34" charset="0"/>
+                <a:cs typeface="Arial" panose="020B0604020202020204" pitchFamily="34" charset="0"/>
+              </a:rPr>
+              <a:t>parte</a:t>
+            </a:r>
+            <a:r>
+              <a:rPr lang="en-US" sz="1200" dirty="0">
+                <a:latin typeface="Arial" panose="020B0604020202020204" pitchFamily="34" charset="0"/>
+                <a:cs typeface="Arial" panose="020B0604020202020204" pitchFamily="34" charset="0"/>
+              </a:rPr>
+              <a:t>, </a:t>
+            </a:r>
+            <a:r>
+              <a:rPr lang="en-US" sz="1200" dirty="0" err="1">
+                <a:latin typeface="Arial" panose="020B0604020202020204" pitchFamily="34" charset="0"/>
+                <a:cs typeface="Arial" panose="020B0604020202020204" pitchFamily="34" charset="0"/>
+              </a:rPr>
+              <a:t>en</a:t>
+            </a:r>
+            <a:r>
+              <a:rPr lang="en-US" sz="1200" dirty="0">
+                <a:latin typeface="Arial" panose="020B0604020202020204" pitchFamily="34" charset="0"/>
+                <a:cs typeface="Arial" panose="020B0604020202020204" pitchFamily="34" charset="0"/>
+              </a:rPr>
+              <a:t> la deep waveguide se </a:t>
+            </a:r>
+            <a:r>
+              <a:rPr lang="en-US" sz="1200" dirty="0" err="1">
+                <a:latin typeface="Arial" panose="020B0604020202020204" pitchFamily="34" charset="0"/>
+                <a:cs typeface="Arial" panose="020B0604020202020204" pitchFamily="34" charset="0"/>
+              </a:rPr>
+              <a:t>puede</a:t>
+            </a:r>
+            <a:r>
+              <a:rPr lang="en-US" sz="1200" dirty="0">
+                <a:latin typeface="Arial" panose="020B0604020202020204" pitchFamily="34" charset="0"/>
+                <a:cs typeface="Arial" panose="020B0604020202020204" pitchFamily="34" charset="0"/>
+              </a:rPr>
+              <a:t> observer que hay dos </a:t>
+            </a:r>
+            <a:r>
+              <a:rPr lang="en-US" sz="1200" dirty="0" err="1">
+                <a:latin typeface="Arial" panose="020B0604020202020204" pitchFamily="34" charset="0"/>
+                <a:cs typeface="Arial" panose="020B0604020202020204" pitchFamily="34" charset="0"/>
+              </a:rPr>
+              <a:t>modos</a:t>
+            </a:r>
+            <a:r>
+              <a:rPr lang="en-US" sz="1200" dirty="0">
+                <a:latin typeface="Arial" panose="020B0604020202020204" pitchFamily="34" charset="0"/>
+                <a:cs typeface="Arial" panose="020B0604020202020204" pitchFamily="34" charset="0"/>
+              </a:rPr>
+              <a:t> que no se </a:t>
+            </a:r>
+            <a:r>
+              <a:rPr lang="en-US" sz="1200" dirty="0" err="1">
+                <a:latin typeface="Arial" panose="020B0604020202020204" pitchFamily="34" charset="0"/>
+                <a:cs typeface="Arial" panose="020B0604020202020204" pitchFamily="34" charset="0"/>
+              </a:rPr>
+              <a:t>propagarán</a:t>
+            </a:r>
+            <a:r>
+              <a:rPr lang="en-US" sz="1200" dirty="0">
+                <a:latin typeface="Arial" panose="020B0604020202020204" pitchFamily="34" charset="0"/>
+                <a:cs typeface="Arial" panose="020B0604020202020204" pitchFamily="34" charset="0"/>
+              </a:rPr>
+              <a:t>, los </a:t>
+            </a:r>
+            <a:r>
+              <a:rPr lang="en-US" sz="1200" dirty="0" err="1">
+                <a:latin typeface="Arial" panose="020B0604020202020204" pitchFamily="34" charset="0"/>
+                <a:cs typeface="Arial" panose="020B0604020202020204" pitchFamily="34" charset="0"/>
+              </a:rPr>
+              <a:t>correspondientes</a:t>
+            </a:r>
+            <a:r>
+              <a:rPr lang="en-US" sz="1200" dirty="0">
+                <a:latin typeface="Arial" panose="020B0604020202020204" pitchFamily="34" charset="0"/>
+                <a:cs typeface="Arial" panose="020B0604020202020204" pitchFamily="34" charset="0"/>
+              </a:rPr>
+              <a:t> al </a:t>
+            </a:r>
+            <a:r>
+              <a:rPr lang="en-US" sz="1200" dirty="0" err="1">
+                <a:latin typeface="Arial" panose="020B0604020202020204" pitchFamily="34" charset="0"/>
+                <a:cs typeface="Arial" panose="020B0604020202020204" pitchFamily="34" charset="0"/>
+              </a:rPr>
+              <a:t>índice</a:t>
+            </a:r>
+            <a:r>
+              <a:rPr lang="en-US" sz="1200" dirty="0">
+                <a:latin typeface="Arial" panose="020B0604020202020204" pitchFamily="34" charset="0"/>
+                <a:cs typeface="Arial" panose="020B0604020202020204" pitchFamily="34" charset="0"/>
+              </a:rPr>
+              <a:t> 2 y 3 de la </a:t>
+            </a:r>
+            <a:r>
+              <a:rPr lang="en-US" sz="1200" dirty="0" err="1">
+                <a:latin typeface="Arial" panose="020B0604020202020204" pitchFamily="34" charset="0"/>
+                <a:cs typeface="Arial" panose="020B0604020202020204" pitchFamily="34" charset="0"/>
+              </a:rPr>
+              <a:t>solución</a:t>
+            </a:r>
+            <a:r>
+              <a:rPr lang="en-US" sz="1200" dirty="0">
+                <a:latin typeface="Arial" panose="020B0604020202020204" pitchFamily="34" charset="0"/>
+                <a:cs typeface="Arial" panose="020B0604020202020204" pitchFamily="34" charset="0"/>
+              </a:rPr>
+              <a:t>, los </a:t>
+            </a:r>
+            <a:r>
+              <a:rPr lang="en-US" sz="1200" dirty="0" err="1">
+                <a:latin typeface="Arial" panose="020B0604020202020204" pitchFamily="34" charset="0"/>
+                <a:cs typeface="Arial" panose="020B0604020202020204" pitchFamily="34" charset="0"/>
+              </a:rPr>
+              <a:t>cuales</a:t>
+            </a:r>
+            <a:r>
+              <a:rPr lang="en-US" sz="1200" dirty="0">
+                <a:latin typeface="Arial" panose="020B0604020202020204" pitchFamily="34" charset="0"/>
+                <a:cs typeface="Arial" panose="020B0604020202020204" pitchFamily="34" charset="0"/>
+              </a:rPr>
+              <a:t> </a:t>
+            </a:r>
+            <a:r>
+              <a:rPr lang="en-US" sz="1200" dirty="0" err="1">
+                <a:latin typeface="Arial" panose="020B0604020202020204" pitchFamily="34" charset="0"/>
+                <a:cs typeface="Arial" panose="020B0604020202020204" pitchFamily="34" charset="0"/>
+              </a:rPr>
+              <a:t>corresponden</a:t>
+            </a:r>
+            <a:r>
+              <a:rPr lang="en-US" sz="1200" dirty="0">
+                <a:latin typeface="Arial" panose="020B0604020202020204" pitchFamily="34" charset="0"/>
+                <a:cs typeface="Arial" panose="020B0604020202020204" pitchFamily="34" charset="0"/>
+              </a:rPr>
+              <a:t> a los </a:t>
+            </a:r>
+            <a:r>
+              <a:rPr lang="en-US" sz="1200" dirty="0" err="1">
+                <a:latin typeface="Arial" panose="020B0604020202020204" pitchFamily="34" charset="0"/>
+                <a:cs typeface="Arial" panose="020B0604020202020204" pitchFamily="34" charset="0"/>
+              </a:rPr>
+              <a:t>modos</a:t>
+            </a:r>
+            <a:r>
+              <a:rPr lang="en-US" sz="1200" dirty="0">
+                <a:latin typeface="Arial" panose="020B0604020202020204" pitchFamily="34" charset="0"/>
+                <a:cs typeface="Arial" panose="020B0604020202020204" pitchFamily="34" charset="0"/>
+              </a:rPr>
+              <a:t> de </a:t>
+            </a:r>
+            <a:r>
+              <a:rPr lang="en-US" sz="1200" dirty="0" err="1">
+                <a:latin typeface="Arial" panose="020B0604020202020204" pitchFamily="34" charset="0"/>
+                <a:cs typeface="Arial" panose="020B0604020202020204" pitchFamily="34" charset="0"/>
+              </a:rPr>
+              <a:t>orden</a:t>
+            </a:r>
+            <a:r>
+              <a:rPr lang="en-US" sz="1200" dirty="0">
+                <a:latin typeface="Arial" panose="020B0604020202020204" pitchFamily="34" charset="0"/>
+                <a:cs typeface="Arial" panose="020B0604020202020204" pitchFamily="34" charset="0"/>
+              </a:rPr>
+              <a:t> mayor. </a:t>
+            </a:r>
+            <a:r>
+              <a:rPr lang="en-US" sz="1200" dirty="0" err="1">
+                <a:latin typeface="Arial" panose="020B0604020202020204" pitchFamily="34" charset="0"/>
+                <a:cs typeface="Arial" panose="020B0604020202020204" pitchFamily="34" charset="0"/>
+              </a:rPr>
+              <a:t>Esto</a:t>
+            </a:r>
+            <a:r>
+              <a:rPr lang="en-US" sz="1200" dirty="0">
+                <a:latin typeface="Arial" panose="020B0604020202020204" pitchFamily="34" charset="0"/>
+                <a:cs typeface="Arial" panose="020B0604020202020204" pitchFamily="34" charset="0"/>
+              </a:rPr>
+              <a:t> es </a:t>
+            </a:r>
+            <a:r>
+              <a:rPr lang="en-US" sz="1200" dirty="0" err="1">
+                <a:latin typeface="Arial" panose="020B0604020202020204" pitchFamily="34" charset="0"/>
+                <a:cs typeface="Arial" panose="020B0604020202020204" pitchFamily="34" charset="0"/>
+              </a:rPr>
+              <a:t>debido</a:t>
+            </a:r>
+            <a:r>
+              <a:rPr lang="en-US" sz="1200" dirty="0">
+                <a:latin typeface="Arial" panose="020B0604020202020204" pitchFamily="34" charset="0"/>
+                <a:cs typeface="Arial" panose="020B0604020202020204" pitchFamily="34" charset="0"/>
+              </a:rPr>
+              <a:t> a que los </a:t>
+            </a:r>
+            <a:r>
+              <a:rPr lang="en-US" sz="1200" dirty="0" err="1">
+                <a:latin typeface="Arial" panose="020B0604020202020204" pitchFamily="34" charset="0"/>
+                <a:cs typeface="Arial" panose="020B0604020202020204" pitchFamily="34" charset="0"/>
+              </a:rPr>
+              <a:t>índices</a:t>
+            </a:r>
+            <a:r>
+              <a:rPr lang="en-US" sz="1200" dirty="0">
+                <a:latin typeface="Arial" panose="020B0604020202020204" pitchFamily="34" charset="0"/>
+                <a:cs typeface="Arial" panose="020B0604020202020204" pitchFamily="34" charset="0"/>
+              </a:rPr>
+              <a:t> </a:t>
+            </a:r>
+            <a:r>
+              <a:rPr lang="en-US" sz="1200" dirty="0" err="1">
+                <a:latin typeface="Arial" panose="020B0604020202020204" pitchFamily="34" charset="0"/>
+                <a:cs typeface="Arial" panose="020B0604020202020204" pitchFamily="34" charset="0"/>
+              </a:rPr>
+              <a:t>efectivos</a:t>
+            </a:r>
+            <a:r>
+              <a:rPr lang="en-US" sz="1200" dirty="0">
+                <a:latin typeface="Arial" panose="020B0604020202020204" pitchFamily="34" charset="0"/>
+                <a:cs typeface="Arial" panose="020B0604020202020204" pitchFamily="34" charset="0"/>
+              </a:rPr>
+              <a:t> </a:t>
+            </a:r>
+          </a:p>
+          <a:p>
+            <a:pPr algn="just"/>
+            <a:r>
+              <a:rPr lang="en-US" sz="1200" dirty="0">
+                <a:latin typeface="Arial" panose="020B0604020202020204" pitchFamily="34" charset="0"/>
+                <a:cs typeface="Arial" panose="020B0604020202020204" pitchFamily="34" charset="0"/>
+              </a:rPr>
+              <a:t>Los </a:t>
+            </a:r>
+            <a:r>
+              <a:rPr lang="en-US" sz="1200" dirty="0" err="1">
+                <a:latin typeface="Arial" panose="020B0604020202020204" pitchFamily="34" charset="0"/>
+                <a:cs typeface="Arial" panose="020B0604020202020204" pitchFamily="34" charset="0"/>
+              </a:rPr>
+              <a:t>modos</a:t>
+            </a:r>
+            <a:r>
+              <a:rPr lang="en-US" sz="1200" dirty="0">
+                <a:latin typeface="Arial" panose="020B0604020202020204" pitchFamily="34" charset="0"/>
+                <a:cs typeface="Arial" panose="020B0604020202020204" pitchFamily="34" charset="0"/>
+              </a:rPr>
+              <a:t> con </a:t>
+            </a:r>
+            <a:r>
+              <a:rPr lang="en-US" sz="1200" dirty="0" err="1">
+                <a:latin typeface="Arial" panose="020B0604020202020204" pitchFamily="34" charset="0"/>
+                <a:cs typeface="Arial" panose="020B0604020202020204" pitchFamily="34" charset="0"/>
+              </a:rPr>
+              <a:t>índice</a:t>
+            </a:r>
+            <a:r>
+              <a:rPr lang="en-US" sz="1200" dirty="0">
+                <a:latin typeface="Arial" panose="020B0604020202020204" pitchFamily="34" charset="0"/>
+                <a:cs typeface="Arial" panose="020B0604020202020204" pitchFamily="34" charset="0"/>
+              </a:rPr>
+              <a:t> </a:t>
+            </a:r>
+            <a:r>
+              <a:rPr lang="en-US" sz="1200" dirty="0" err="1">
+                <a:latin typeface="Arial" panose="020B0604020202020204" pitchFamily="34" charset="0"/>
+                <a:cs typeface="Arial" panose="020B0604020202020204" pitchFamily="34" charset="0"/>
+              </a:rPr>
+              <a:t>efectivo</a:t>
+            </a:r>
+            <a:r>
+              <a:rPr lang="en-US" sz="1200" dirty="0">
+                <a:latin typeface="Arial" panose="020B0604020202020204" pitchFamily="34" charset="0"/>
+                <a:cs typeface="Arial" panose="020B0604020202020204" pitchFamily="34" charset="0"/>
+              </a:rPr>
+              <a:t> mayor se </a:t>
+            </a:r>
+            <a:r>
+              <a:rPr lang="en-US" sz="1200" dirty="0" err="1">
+                <a:latin typeface="Arial" panose="020B0604020202020204" pitchFamily="34" charset="0"/>
+                <a:cs typeface="Arial" panose="020B0604020202020204" pitchFamily="34" charset="0"/>
+              </a:rPr>
+              <a:t>propagarán</a:t>
+            </a:r>
+            <a:r>
+              <a:rPr lang="en-US" sz="1200" dirty="0">
+                <a:latin typeface="Arial" panose="020B0604020202020204" pitchFamily="34" charset="0"/>
+                <a:cs typeface="Arial" panose="020B0604020202020204" pitchFamily="34" charset="0"/>
+              </a:rPr>
+              <a:t> </a:t>
+            </a:r>
+            <a:r>
+              <a:rPr lang="en-US" sz="1200" dirty="0" err="1">
+                <a:latin typeface="Arial" panose="020B0604020202020204" pitchFamily="34" charset="0"/>
+                <a:cs typeface="Arial" panose="020B0604020202020204" pitchFamily="34" charset="0"/>
+              </a:rPr>
+              <a:t>más</a:t>
+            </a:r>
+            <a:r>
+              <a:rPr lang="en-US" sz="1200" dirty="0">
+                <a:latin typeface="Arial" panose="020B0604020202020204" pitchFamily="34" charset="0"/>
+                <a:cs typeface="Arial" panose="020B0604020202020204" pitchFamily="34" charset="0"/>
+              </a:rPr>
+              <a:t> </a:t>
+            </a:r>
+            <a:r>
+              <a:rPr lang="en-US" sz="1200" dirty="0" err="1">
+                <a:latin typeface="Arial" panose="020B0604020202020204" pitchFamily="34" charset="0"/>
+                <a:cs typeface="Arial" panose="020B0604020202020204" pitchFamily="34" charset="0"/>
+              </a:rPr>
+              <a:t>confinados</a:t>
+            </a:r>
+            <a:r>
+              <a:rPr lang="en-US" sz="1200" dirty="0">
+                <a:latin typeface="Arial" panose="020B0604020202020204" pitchFamily="34" charset="0"/>
+                <a:cs typeface="Arial" panose="020B0604020202020204" pitchFamily="34" charset="0"/>
+              </a:rPr>
+              <a:t> dentro del core.</a:t>
+            </a:r>
           </a:p>
           <a:p>
             <a:pPr algn="just"/>
@@ -6200,8 +6818,8 @@
         </p:nvSpPr>
         <p:spPr>
           <a:xfrm>
-            <a:off x="2285455" y="2671278"/>
-            <a:ext cx="1980542" cy="923330"/>
+            <a:off x="2284365" y="2671278"/>
+            <a:ext cx="1982722" cy="1477328"/>
           </a:xfrm>
           <a:prstGeom prst="rect">
             <a:avLst/>
@@ -6233,6 +6851,25 @@
             <a:r>
               <a:rPr lang="en-US" dirty="0"/>
               <a:t>Paste plot here</a:t>
+            </a:r>
+          </a:p>
+          <a:p>
+            <a:pPr algn="ctr"/>
+            <a:endParaRPr lang="en-US" dirty="0"/>
+          </a:p>
+          <a:p>
+            <a:pPr algn="ctr"/>
+            <a:r>
+              <a:rPr lang="en-US" dirty="0"/>
+              <a:t>Plot </a:t>
+            </a:r>
+            <a:r>
+              <a:rPr lang="en-US" dirty="0" err="1"/>
+              <a:t>neff</a:t>
+            </a:r>
+            <a:r>
+              <a:rPr lang="en-US" dirty="0"/>
+              <a:t> vs lambda</a:t>
             </a:r>
           </a:p>
         </p:txBody>
@@ -6303,8 +6940,8 @@
         </p:nvSpPr>
         <p:spPr>
           <a:xfrm>
-            <a:off x="8281672" y="2671278"/>
-            <a:ext cx="1722908" cy="923330"/>
+            <a:off x="8151766" y="2671278"/>
+            <a:ext cx="1982722" cy="1477328"/>
           </a:xfrm>
           <a:prstGeom prst="rect">
             <a:avLst/>
@@ -6336,6 +6973,25 @@
             <a:r>
               <a:rPr lang="en-US" dirty="0"/>
               <a:t>Paste plot here</a:t>
+            </a:r>
+          </a:p>
+          <a:p>
+            <a:pPr algn="ctr"/>
+            <a:endParaRPr lang="en-US" dirty="0"/>
+          </a:p>
+          <a:p>
+            <a:pPr algn="ctr"/>
+            <a:r>
+              <a:rPr lang="en-US" dirty="0"/>
+              <a:t>Plot </a:t>
+            </a:r>
+            <a:r>
+              <a:rPr lang="en-US" dirty="0" err="1"/>
+              <a:t>neff</a:t>
+            </a:r>
+            <a:r>
+              <a:rPr lang="en-US" dirty="0"/>
+              <a:t> vs lambda</a:t>
             </a:r>
           </a:p>
         </p:txBody>
@@ -6369,17 +7025,73 @@
           <a:lstStyle/>
           <a:p>
             <a:r>
-              <a:rPr lang="en-US"/>
-              <a:t>slab </a:t>
-            </a:r>
-            <a:r>
               <a:rPr lang="en-US" dirty="0"/>
-              <a:t>= 150nm</a:t>
+              <a:t>slab = 150nm</a:t>
             </a:r>
             <a:endParaRPr lang="es-ES" dirty="0"/>
           </a:p>
         </p:txBody>
       </p:sp>
+      <p:pic>
+        <p:nvPicPr>
+          <p:cNvPr id="12" name="Imagen 11">
+            <a:extLst>
+              <a:ext uri="{FF2B5EF4-FFF2-40B4-BE49-F238E27FC236}">
+                <a16:creationId xmlns:a16="http://schemas.microsoft.com/office/drawing/2014/main" id="{1442DA1B-EA25-434D-A064-66155EFDDF30}"/>
+              </a:ext>
+            </a:extLst>
+          </p:cNvPr>
+          <p:cNvPicPr>
+            <a:picLocks noChangeAspect="1"/>
+          </p:cNvPicPr>
+          <p:nvPr/>
+        </p:nvPicPr>
+        <p:blipFill>
+          <a:blip r:embed="rId5"/>
+          <a:stretch>
+            <a:fillRect/>
+          </a:stretch>
+        </p:blipFill>
+        <p:spPr>
+          <a:xfrm>
+            <a:off x="6663391" y="1603209"/>
+            <a:ext cx="5033752" cy="2936355"/>
+          </a:xfrm>
+          <a:prstGeom prst="rect">
+            <a:avLst/>
+          </a:prstGeom>
+        </p:spPr>
+      </p:pic>
+      <p:pic>
+        <p:nvPicPr>
+          <p:cNvPr id="14" name="Imagen 13">
+            <a:extLst>
+              <a:ext uri="{FF2B5EF4-FFF2-40B4-BE49-F238E27FC236}">
+                <a16:creationId xmlns:a16="http://schemas.microsoft.com/office/drawing/2014/main" id="{1130CD49-47AC-42AC-98EF-76BD14EA4B63}"/>
+              </a:ext>
+            </a:extLst>
+          </p:cNvPr>
+          <p:cNvPicPr>
+            <a:picLocks noChangeAspect="1"/>
+          </p:cNvPicPr>
+          <p:nvPr/>
+        </p:nvPicPr>
+        <p:blipFill>
+          <a:blip r:embed="rId6"/>
+          <a:stretch>
+            <a:fillRect/>
+          </a:stretch>
+        </p:blipFill>
+        <p:spPr>
+          <a:xfrm>
+            <a:off x="711201" y="1517126"/>
+            <a:ext cx="5080000" cy="2963333"/>
+          </a:xfrm>
+          <a:prstGeom prst="rect">
+            <a:avLst/>
+          </a:prstGeom>
+        </p:spPr>
+      </p:pic>
     </p:spTree>
     <p:extLst>
       <p:ext uri="{BB962C8B-B14F-4D97-AF65-F5344CB8AC3E}">
